--- a/Präsentation Projektarbeit.pptx
+++ b/Präsentation Projektarbeit.pptx
@@ -13,6 +13,8 @@
     <p:sldId id="261" r:id="rId7"/>
     <p:sldId id="262" r:id="rId8"/>
     <p:sldId id="263" r:id="rId9"/>
+    <p:sldId id="264" r:id="rId10"/>
+    <p:sldId id="265" r:id="rId11"/>
   </p:sldIdLst>
   <p:sldSz cx="12192000" cy="6858000"/>
   <p:notesSz cx="6858000" cy="9144000"/>
@@ -111,6 +113,11 @@
       </a:defRPr>
     </a:lvl9pPr>
   </p:defaultTextStyle>
+  <p:extLst>
+    <p:ext uri="{EFAFB233-063F-42B5-8137-9DF3F51BA10A}">
+      <p15:sldGuideLst xmlns:p15="http://schemas.microsoft.com/office/powerpoint/2012/main"/>
+    </p:ext>
+  </p:extLst>
 </p:presentation>
 </file>
 
@@ -261,7 +268,7 @@
           <a:p>
             <a:fld id="{82E1CDC3-A9E0-49F7-8A8C-E3510F226DDF}" type="datetimeFigureOut">
               <a:rPr lang="de-DE" smtClean="0"/>
-              <a:t>04.03.2022</a:t>
+              <a:t>05.03.2022</a:t>
             </a:fld>
             <a:endParaRPr lang="de-DE"/>
           </a:p>
@@ -459,7 +466,7 @@
           <a:p>
             <a:fld id="{82E1CDC3-A9E0-49F7-8A8C-E3510F226DDF}" type="datetimeFigureOut">
               <a:rPr lang="de-DE" smtClean="0"/>
-              <a:t>04.03.2022</a:t>
+              <a:t>05.03.2022</a:t>
             </a:fld>
             <a:endParaRPr lang="de-DE"/>
           </a:p>
@@ -667,7 +674,7 @@
           <a:p>
             <a:fld id="{82E1CDC3-A9E0-49F7-8A8C-E3510F226DDF}" type="datetimeFigureOut">
               <a:rPr lang="de-DE" smtClean="0"/>
-              <a:t>04.03.2022</a:t>
+              <a:t>05.03.2022</a:t>
             </a:fld>
             <a:endParaRPr lang="de-DE"/>
           </a:p>
@@ -865,7 +872,7 @@
           <a:p>
             <a:fld id="{82E1CDC3-A9E0-49F7-8A8C-E3510F226DDF}" type="datetimeFigureOut">
               <a:rPr lang="de-DE" smtClean="0"/>
-              <a:t>04.03.2022</a:t>
+              <a:t>05.03.2022</a:t>
             </a:fld>
             <a:endParaRPr lang="de-DE"/>
           </a:p>
@@ -1140,7 +1147,7 @@
           <a:p>
             <a:fld id="{82E1CDC3-A9E0-49F7-8A8C-E3510F226DDF}" type="datetimeFigureOut">
               <a:rPr lang="de-DE" smtClean="0"/>
-              <a:t>04.03.2022</a:t>
+              <a:t>05.03.2022</a:t>
             </a:fld>
             <a:endParaRPr lang="de-DE"/>
           </a:p>
@@ -1405,7 +1412,7 @@
           <a:p>
             <a:fld id="{82E1CDC3-A9E0-49F7-8A8C-E3510F226DDF}" type="datetimeFigureOut">
               <a:rPr lang="de-DE" smtClean="0"/>
-              <a:t>04.03.2022</a:t>
+              <a:t>05.03.2022</a:t>
             </a:fld>
             <a:endParaRPr lang="de-DE"/>
           </a:p>
@@ -1817,7 +1824,7 @@
           <a:p>
             <a:fld id="{82E1CDC3-A9E0-49F7-8A8C-E3510F226DDF}" type="datetimeFigureOut">
               <a:rPr lang="de-DE" smtClean="0"/>
-              <a:t>04.03.2022</a:t>
+              <a:t>05.03.2022</a:t>
             </a:fld>
             <a:endParaRPr lang="de-DE"/>
           </a:p>
@@ -1958,7 +1965,7 @@
           <a:p>
             <a:fld id="{82E1CDC3-A9E0-49F7-8A8C-E3510F226DDF}" type="datetimeFigureOut">
               <a:rPr lang="de-DE" smtClean="0"/>
-              <a:t>04.03.2022</a:t>
+              <a:t>05.03.2022</a:t>
             </a:fld>
             <a:endParaRPr lang="de-DE"/>
           </a:p>
@@ -2071,7 +2078,7 @@
           <a:p>
             <a:fld id="{82E1CDC3-A9E0-49F7-8A8C-E3510F226DDF}" type="datetimeFigureOut">
               <a:rPr lang="de-DE" smtClean="0"/>
-              <a:t>04.03.2022</a:t>
+              <a:t>05.03.2022</a:t>
             </a:fld>
             <a:endParaRPr lang="de-DE"/>
           </a:p>
@@ -2382,7 +2389,7 @@
           <a:p>
             <a:fld id="{82E1CDC3-A9E0-49F7-8A8C-E3510F226DDF}" type="datetimeFigureOut">
               <a:rPr lang="de-DE" smtClean="0"/>
-              <a:t>04.03.2022</a:t>
+              <a:t>05.03.2022</a:t>
             </a:fld>
             <a:endParaRPr lang="de-DE"/>
           </a:p>
@@ -2670,7 +2677,7 @@
           <a:p>
             <a:fld id="{82E1CDC3-A9E0-49F7-8A8C-E3510F226DDF}" type="datetimeFigureOut">
               <a:rPr lang="de-DE" smtClean="0"/>
-              <a:t>04.03.2022</a:t>
+              <a:t>05.03.2022</a:t>
             </a:fld>
             <a:endParaRPr lang="de-DE"/>
           </a:p>
@@ -2911,7 +2918,7 @@
           <a:p>
             <a:fld id="{82E1CDC3-A9E0-49F7-8A8C-E3510F226DDF}" type="datetimeFigureOut">
               <a:rPr lang="de-DE" smtClean="0"/>
-              <a:t>04.03.2022</a:t>
+              <a:t>05.03.2022</a:t>
             </a:fld>
             <a:endParaRPr lang="de-DE"/>
           </a:p>
@@ -3416,6 +3423,89 @@
 </p:sld>
 </file>
 
+<file path=ppt/slides/slide10.xml><?xml version="1.0" encoding="utf-8"?>
+<p:sld xmlns:a="http://schemas.openxmlformats.org/drawingml/2006/main" xmlns:r="http://schemas.openxmlformats.org/officeDocument/2006/relationships" xmlns:p="http://schemas.openxmlformats.org/presentationml/2006/main">
+  <p:cSld>
+    <p:spTree>
+      <p:nvGrpSpPr>
+        <p:cNvPr id="1" name=""/>
+        <p:cNvGrpSpPr/>
+        <p:nvPr/>
+      </p:nvGrpSpPr>
+      <p:grpSpPr>
+        <a:xfrm>
+          <a:off x="0" y="0"/>
+          <a:ext cx="0" cy="0"/>
+          <a:chOff x="0" y="0"/>
+          <a:chExt cx="0" cy="0"/>
+        </a:xfrm>
+      </p:grpSpPr>
+      <p:sp>
+        <p:nvSpPr>
+          <p:cNvPr id="2" name="Titel 1">
+            <a:extLst>
+              <a:ext uri="{FF2B5EF4-FFF2-40B4-BE49-F238E27FC236}">
+                <a16:creationId xmlns:a16="http://schemas.microsoft.com/office/drawing/2014/main" id="{6868AC99-0A2A-4939-A4C5-B9A997D9CCCE}"/>
+              </a:ext>
+            </a:extLst>
+          </p:cNvPr>
+          <p:cNvSpPr>
+            <a:spLocks noGrp="1"/>
+          </p:cNvSpPr>
+          <p:nvPr>
+            <p:ph type="title"/>
+          </p:nvPr>
+        </p:nvSpPr>
+        <p:spPr/>
+        <p:txBody>
+          <a:bodyPr/>
+          <a:lstStyle/>
+          <a:p>
+            <a:r>
+              <a:rPr lang="de-DE" dirty="0"/>
+              <a:t>Vielen Dank fürs Zuhören!</a:t>
+            </a:r>
+          </a:p>
+        </p:txBody>
+      </p:sp>
+      <p:sp>
+        <p:nvSpPr>
+          <p:cNvPr id="3" name="Inhaltsplatzhalter 2">
+            <a:extLst>
+              <a:ext uri="{FF2B5EF4-FFF2-40B4-BE49-F238E27FC236}">
+                <a16:creationId xmlns:a16="http://schemas.microsoft.com/office/drawing/2014/main" id="{79D6A697-3401-429D-9F75-DF0798EAADA6}"/>
+              </a:ext>
+            </a:extLst>
+          </p:cNvPr>
+          <p:cNvSpPr>
+            <a:spLocks noGrp="1"/>
+          </p:cNvSpPr>
+          <p:nvPr>
+            <p:ph idx="1"/>
+          </p:nvPr>
+        </p:nvSpPr>
+        <p:spPr/>
+        <p:txBody>
+          <a:bodyPr/>
+          <a:lstStyle/>
+          <a:p>
+            <a:endParaRPr lang="de-DE" dirty="0"/>
+          </a:p>
+        </p:txBody>
+      </p:sp>
+    </p:spTree>
+    <p:extLst>
+      <p:ext uri="{BB962C8B-B14F-4D97-AF65-F5344CB8AC3E}">
+        <p14:creationId xmlns:p14="http://schemas.microsoft.com/office/powerpoint/2010/main" val="1263105263"/>
+      </p:ext>
+    </p:extLst>
+  </p:cSld>
+  <p:clrMapOvr>
+    <a:masterClrMapping/>
+  </p:clrMapOvr>
+</p:sld>
+</file>
+
 <file path=ppt/slides/slide2.xml><?xml version="1.0" encoding="utf-8"?>
 <p:sld xmlns:a="http://schemas.openxmlformats.org/drawingml/2006/main" xmlns:r="http://schemas.openxmlformats.org/officeDocument/2006/relationships" xmlns:p="http://schemas.openxmlformats.org/presentationml/2006/main">
   <p:cSld>
@@ -3532,7 +3622,7 @@
             <a:pPr lvl="1"/>
             <a:r>
               <a:rPr lang="de-DE" sz="2200" dirty="0"/>
-              <a:t>Schwierigkeiten und Veränderungen</a:t>
+              <a:t>Probleme und Veränderungen</a:t>
             </a:r>
           </a:p>
           <a:p>
@@ -3615,7 +3705,10 @@
           <a:bodyPr/>
           <a:lstStyle/>
           <a:p>
-            <a:endParaRPr lang="de-DE"/>
+            <a:r>
+              <a:rPr lang="de-DE" dirty="0"/>
+              <a:t>Finden eines Projekts</a:t>
+            </a:r>
           </a:p>
         </p:txBody>
       </p:sp>
@@ -3695,7 +3788,10 @@
           <a:bodyPr/>
           <a:lstStyle/>
           <a:p>
-            <a:endParaRPr lang="de-DE"/>
+            <a:r>
+              <a:rPr lang="de-DE" dirty="0"/>
+              <a:t>Inhaltliche Anforderungen </a:t>
+            </a:r>
           </a:p>
         </p:txBody>
       </p:sp>
@@ -3775,7 +3871,10 @@
           <a:bodyPr/>
           <a:lstStyle/>
           <a:p>
-            <a:endParaRPr lang="de-DE"/>
+            <a:r>
+              <a:rPr lang="de-DE" dirty="0"/>
+              <a:t>Planung der Umsetzung</a:t>
+            </a:r>
           </a:p>
         </p:txBody>
       </p:sp>
@@ -3855,7 +3954,10 @@
           <a:bodyPr/>
           <a:lstStyle/>
           <a:p>
-            <a:endParaRPr lang="de-DE"/>
+            <a:r>
+              <a:rPr lang="de-DE" dirty="0"/>
+              <a:t>Vorgehensweise</a:t>
+            </a:r>
           </a:p>
         </p:txBody>
       </p:sp>
@@ -3935,7 +4037,10 @@
           <a:bodyPr/>
           <a:lstStyle/>
           <a:p>
-            <a:endParaRPr lang="de-DE"/>
+            <a:r>
+              <a:rPr lang="de-DE" dirty="0"/>
+              <a:t>Probleme und Veränderungen </a:t>
+            </a:r>
           </a:p>
         </p:txBody>
       </p:sp>
@@ -4015,7 +4120,10 @@
           <a:bodyPr/>
           <a:lstStyle/>
           <a:p>
-            <a:endParaRPr lang="de-DE"/>
+            <a:r>
+              <a:rPr lang="de-DE" dirty="0"/>
+              <a:t>Möglichkeiten der Simulation </a:t>
+            </a:r>
           </a:p>
         </p:txBody>
       </p:sp>
@@ -4048,6 +4156,89 @@
     <p:extLst>
       <p:ext uri="{BB962C8B-B14F-4D97-AF65-F5344CB8AC3E}">
         <p14:creationId xmlns:p14="http://schemas.microsoft.com/office/powerpoint/2010/main" val="3508460527"/>
+      </p:ext>
+    </p:extLst>
+  </p:cSld>
+  <p:clrMapOvr>
+    <a:masterClrMapping/>
+  </p:clrMapOvr>
+</p:sld>
+</file>
+
+<file path=ppt/slides/slide9.xml><?xml version="1.0" encoding="utf-8"?>
+<p:sld xmlns:a="http://schemas.openxmlformats.org/drawingml/2006/main" xmlns:r="http://schemas.openxmlformats.org/officeDocument/2006/relationships" xmlns:p="http://schemas.openxmlformats.org/presentationml/2006/main">
+  <p:cSld>
+    <p:spTree>
+      <p:nvGrpSpPr>
+        <p:cNvPr id="1" name=""/>
+        <p:cNvGrpSpPr/>
+        <p:nvPr/>
+      </p:nvGrpSpPr>
+      <p:grpSpPr>
+        <a:xfrm>
+          <a:off x="0" y="0"/>
+          <a:ext cx="0" cy="0"/>
+          <a:chOff x="0" y="0"/>
+          <a:chExt cx="0" cy="0"/>
+        </a:xfrm>
+      </p:grpSpPr>
+      <p:sp>
+        <p:nvSpPr>
+          <p:cNvPr id="2" name="Titel 1">
+            <a:extLst>
+              <a:ext uri="{FF2B5EF4-FFF2-40B4-BE49-F238E27FC236}">
+                <a16:creationId xmlns:a16="http://schemas.microsoft.com/office/drawing/2014/main" id="{517C5AC9-0CF2-4201-B647-DF8B5C49FC31}"/>
+              </a:ext>
+            </a:extLst>
+          </p:cNvPr>
+          <p:cNvSpPr>
+            <a:spLocks noGrp="1"/>
+          </p:cNvSpPr>
+          <p:nvPr>
+            <p:ph type="title"/>
+          </p:nvPr>
+        </p:nvSpPr>
+        <p:spPr/>
+        <p:txBody>
+          <a:bodyPr/>
+          <a:lstStyle/>
+          <a:p>
+            <a:r>
+              <a:rPr lang="de-DE" dirty="0"/>
+              <a:t>Aufbau des Codes</a:t>
+            </a:r>
+          </a:p>
+        </p:txBody>
+      </p:sp>
+      <p:sp>
+        <p:nvSpPr>
+          <p:cNvPr id="3" name="Inhaltsplatzhalter 2">
+            <a:extLst>
+              <a:ext uri="{FF2B5EF4-FFF2-40B4-BE49-F238E27FC236}">
+                <a16:creationId xmlns:a16="http://schemas.microsoft.com/office/drawing/2014/main" id="{8473BF2D-4A3B-4242-9EB9-D01BD827C8F5}"/>
+              </a:ext>
+            </a:extLst>
+          </p:cNvPr>
+          <p:cNvSpPr>
+            <a:spLocks noGrp="1"/>
+          </p:cNvSpPr>
+          <p:nvPr>
+            <p:ph idx="1"/>
+          </p:nvPr>
+        </p:nvSpPr>
+        <p:spPr/>
+        <p:txBody>
+          <a:bodyPr/>
+          <a:lstStyle/>
+          <a:p>
+            <a:endParaRPr lang="de-DE"/>
+          </a:p>
+        </p:txBody>
+      </p:sp>
+    </p:spTree>
+    <p:extLst>
+      <p:ext uri="{BB962C8B-B14F-4D97-AF65-F5344CB8AC3E}">
+        <p14:creationId xmlns:p14="http://schemas.microsoft.com/office/powerpoint/2010/main" val="464413615"/>
       </p:ext>
     </p:extLst>
   </p:cSld>
